--- a/logo/NUciti_Logo.pptx
+++ b/logo/NUciti_Logo.pptx
@@ -53,7 +53,7 @@
       </p:grpSpPr>
       <p:sp>
         <p:nvSpPr>
-          <p:cNvPr id="25" name="PlaceHolder 1"/>
+          <p:cNvPr id="22" name="PlaceHolder 1"/>
           <p:cNvSpPr>
             <a:spLocks noGrp="1"/>
           </p:cNvSpPr>
@@ -64,7 +64,7 @@
         <p:spPr>
           <a:xfrm>
             <a:off x="1523880" y="1122480"/>
-            <a:ext cx="9143640" cy="2387160"/>
+            <a:ext cx="9143280" cy="2386800"/>
           </a:xfrm>
           <a:prstGeom prst="rect">
             <a:avLst/>
@@ -73,18 +73,16 @@
         <p:txBody>
           <a:bodyPr lIns="0" rIns="0" tIns="0" bIns="0" anchor="ctr"/>
           <a:p>
-            <a:endParaRPr b="0" lang="en-US" sz="1800" spc="-1" strike="noStrike">
-              <a:solidFill>
-                <a:srgbClr val="000000"/>
-              </a:solidFill>
-              <a:latin typeface="Calibri"/>
-            </a:endParaRPr>
-          </a:p>
-        </p:txBody>
-      </p:sp>
-      <p:sp>
-        <p:nvSpPr>
-          <p:cNvPr id="26" name="PlaceHolder 2"/>
+            <a:pPr algn="ctr"/>
+            <a:endParaRPr b="0" lang="es-ES" sz="4400" spc="-1" strike="noStrike">
+              <a:latin typeface="Arial"/>
+            </a:endParaRPr>
+          </a:p>
+        </p:txBody>
+      </p:sp>
+      <p:sp>
+        <p:nvSpPr>
+          <p:cNvPr id="23" name="PlaceHolder 2"/>
           <p:cNvSpPr>
             <a:spLocks noGrp="1"/>
           </p:cNvSpPr>
@@ -106,18 +104,15 @@
             <a:normAutofit/>
           </a:bodyPr>
           <a:p>
-            <a:endParaRPr b="0" lang="en-US" sz="2800" spc="-1" strike="noStrike">
-              <a:solidFill>
-                <a:srgbClr val="000000"/>
-              </a:solidFill>
-              <a:latin typeface="Calibri"/>
-            </a:endParaRPr>
-          </a:p>
-        </p:txBody>
-      </p:sp>
-      <p:sp>
-        <p:nvSpPr>
-          <p:cNvPr id="27" name="PlaceHolder 3"/>
+            <a:endParaRPr b="0" lang="es-ES" sz="3200" spc="-1" strike="noStrike">
+              <a:latin typeface="Arial"/>
+            </a:endParaRPr>
+          </a:p>
+        </p:txBody>
+      </p:sp>
+      <p:sp>
+        <p:nvSpPr>
+          <p:cNvPr id="24" name="PlaceHolder 3"/>
           <p:cNvSpPr>
             <a:spLocks noGrp="1"/>
           </p:cNvSpPr>
@@ -139,11 +134,8 @@
             <a:normAutofit/>
           </a:bodyPr>
           <a:p>
-            <a:endParaRPr b="0" lang="en-US" sz="2800" spc="-1" strike="noStrike">
-              <a:solidFill>
-                <a:srgbClr val="000000"/>
-              </a:solidFill>
-              <a:latin typeface="Calibri"/>
+            <a:endParaRPr b="0" lang="es-ES" sz="3200" spc="-1" strike="noStrike">
+              <a:latin typeface="Arial"/>
             </a:endParaRPr>
           </a:p>
         </p:txBody>
@@ -172,7 +164,7 @@
       </p:grpSpPr>
       <p:sp>
         <p:nvSpPr>
-          <p:cNvPr id="28" name="PlaceHolder 1"/>
+          <p:cNvPr id="25" name="PlaceHolder 1"/>
           <p:cNvSpPr>
             <a:spLocks noGrp="1"/>
           </p:cNvSpPr>
@@ -183,7 +175,7 @@
         <p:spPr>
           <a:xfrm>
             <a:off x="1523880" y="1122480"/>
-            <a:ext cx="9143640" cy="2387160"/>
+            <a:ext cx="9143280" cy="2386800"/>
           </a:xfrm>
           <a:prstGeom prst="rect">
             <a:avLst/>
@@ -192,18 +184,16 @@
         <p:txBody>
           <a:bodyPr lIns="0" rIns="0" tIns="0" bIns="0" anchor="ctr"/>
           <a:p>
-            <a:endParaRPr b="0" lang="en-US" sz="1800" spc="-1" strike="noStrike">
-              <a:solidFill>
-                <a:srgbClr val="000000"/>
-              </a:solidFill>
-              <a:latin typeface="Calibri"/>
-            </a:endParaRPr>
-          </a:p>
-        </p:txBody>
-      </p:sp>
-      <p:sp>
-        <p:nvSpPr>
-          <p:cNvPr id="29" name="PlaceHolder 2"/>
+            <a:pPr algn="ctr"/>
+            <a:endParaRPr b="0" lang="es-ES" sz="4400" spc="-1" strike="noStrike">
+              <a:latin typeface="Arial"/>
+            </a:endParaRPr>
+          </a:p>
+        </p:txBody>
+      </p:sp>
+      <p:sp>
+        <p:nvSpPr>
+          <p:cNvPr id="26" name="PlaceHolder 2"/>
           <p:cNvSpPr>
             <a:spLocks noGrp="1"/>
           </p:cNvSpPr>
@@ -225,18 +215,15 @@
             <a:normAutofit/>
           </a:bodyPr>
           <a:p>
-            <a:endParaRPr b="0" lang="en-US" sz="2800" spc="-1" strike="noStrike">
-              <a:solidFill>
-                <a:srgbClr val="000000"/>
-              </a:solidFill>
-              <a:latin typeface="Calibri"/>
-            </a:endParaRPr>
-          </a:p>
-        </p:txBody>
-      </p:sp>
-      <p:sp>
-        <p:nvSpPr>
-          <p:cNvPr id="30" name="PlaceHolder 3"/>
+            <a:endParaRPr b="0" lang="es-ES" sz="3200" spc="-1" strike="noStrike">
+              <a:latin typeface="Arial"/>
+            </a:endParaRPr>
+          </a:p>
+        </p:txBody>
+      </p:sp>
+      <p:sp>
+        <p:nvSpPr>
+          <p:cNvPr id="27" name="PlaceHolder 3"/>
           <p:cNvSpPr>
             <a:spLocks noGrp="1"/>
           </p:cNvSpPr>
@@ -258,18 +245,15 @@
             <a:normAutofit/>
           </a:bodyPr>
           <a:p>
-            <a:endParaRPr b="0" lang="en-US" sz="2800" spc="-1" strike="noStrike">
-              <a:solidFill>
-                <a:srgbClr val="000000"/>
-              </a:solidFill>
-              <a:latin typeface="Calibri"/>
-            </a:endParaRPr>
-          </a:p>
-        </p:txBody>
-      </p:sp>
-      <p:sp>
-        <p:nvSpPr>
-          <p:cNvPr id="31" name="PlaceHolder 4"/>
+            <a:endParaRPr b="0" lang="es-ES" sz="3200" spc="-1" strike="noStrike">
+              <a:latin typeface="Arial"/>
+            </a:endParaRPr>
+          </a:p>
+        </p:txBody>
+      </p:sp>
+      <p:sp>
+        <p:nvSpPr>
+          <p:cNvPr id="28" name="PlaceHolder 4"/>
           <p:cNvSpPr>
             <a:spLocks noGrp="1"/>
           </p:cNvSpPr>
@@ -291,18 +275,15 @@
             <a:normAutofit/>
           </a:bodyPr>
           <a:p>
-            <a:endParaRPr b="0" lang="en-US" sz="2800" spc="-1" strike="noStrike">
-              <a:solidFill>
-                <a:srgbClr val="000000"/>
-              </a:solidFill>
-              <a:latin typeface="Calibri"/>
-            </a:endParaRPr>
-          </a:p>
-        </p:txBody>
-      </p:sp>
-      <p:sp>
-        <p:nvSpPr>
-          <p:cNvPr id="32" name="PlaceHolder 5"/>
+            <a:endParaRPr b="0" lang="es-ES" sz="3200" spc="-1" strike="noStrike">
+              <a:latin typeface="Arial"/>
+            </a:endParaRPr>
+          </a:p>
+        </p:txBody>
+      </p:sp>
+      <p:sp>
+        <p:nvSpPr>
+          <p:cNvPr id="29" name="PlaceHolder 5"/>
           <p:cNvSpPr>
             <a:spLocks noGrp="1"/>
           </p:cNvSpPr>
@@ -324,11 +305,8 @@
             <a:normAutofit/>
           </a:bodyPr>
           <a:p>
-            <a:endParaRPr b="0" lang="en-US" sz="2800" spc="-1" strike="noStrike">
-              <a:solidFill>
-                <a:srgbClr val="000000"/>
-              </a:solidFill>
-              <a:latin typeface="Calibri"/>
+            <a:endParaRPr b="0" lang="es-ES" sz="3200" spc="-1" strike="noStrike">
+              <a:latin typeface="Arial"/>
             </a:endParaRPr>
           </a:p>
         </p:txBody>
@@ -357,7 +335,7 @@
       </p:grpSpPr>
       <p:sp>
         <p:nvSpPr>
-          <p:cNvPr id="33" name="PlaceHolder 1"/>
+          <p:cNvPr id="30" name="PlaceHolder 1"/>
           <p:cNvSpPr>
             <a:spLocks noGrp="1"/>
           </p:cNvSpPr>
@@ -368,7 +346,7 @@
         <p:spPr>
           <a:xfrm>
             <a:off x="1523880" y="1122480"/>
-            <a:ext cx="9143640" cy="2387160"/>
+            <a:ext cx="9143280" cy="2386800"/>
           </a:xfrm>
           <a:prstGeom prst="rect">
             <a:avLst/>
@@ -377,18 +355,16 @@
         <p:txBody>
           <a:bodyPr lIns="0" rIns="0" tIns="0" bIns="0" anchor="ctr"/>
           <a:p>
-            <a:endParaRPr b="0" lang="en-US" sz="1800" spc="-1" strike="noStrike">
-              <a:solidFill>
-                <a:srgbClr val="000000"/>
-              </a:solidFill>
-              <a:latin typeface="Calibri"/>
-            </a:endParaRPr>
-          </a:p>
-        </p:txBody>
-      </p:sp>
-      <p:sp>
-        <p:nvSpPr>
-          <p:cNvPr id="34" name="PlaceHolder 2"/>
+            <a:pPr algn="ctr"/>
+            <a:endParaRPr b="0" lang="es-ES" sz="4400" spc="-1" strike="noStrike">
+              <a:latin typeface="Arial"/>
+            </a:endParaRPr>
+          </a:p>
+        </p:txBody>
+      </p:sp>
+      <p:sp>
+        <p:nvSpPr>
+          <p:cNvPr id="31" name="PlaceHolder 2"/>
           <p:cNvSpPr>
             <a:spLocks noGrp="1"/>
           </p:cNvSpPr>
@@ -410,18 +386,15 @@
             <a:normAutofit/>
           </a:bodyPr>
           <a:p>
-            <a:endParaRPr b="0" lang="en-US" sz="2800" spc="-1" strike="noStrike">
-              <a:solidFill>
-                <a:srgbClr val="000000"/>
-              </a:solidFill>
-              <a:latin typeface="Calibri"/>
-            </a:endParaRPr>
-          </a:p>
-        </p:txBody>
-      </p:sp>
-      <p:sp>
-        <p:nvSpPr>
-          <p:cNvPr id="35" name="PlaceHolder 3"/>
+            <a:endParaRPr b="0" lang="es-ES" sz="3200" spc="-1" strike="noStrike">
+              <a:latin typeface="Arial"/>
+            </a:endParaRPr>
+          </a:p>
+        </p:txBody>
+      </p:sp>
+      <p:sp>
+        <p:nvSpPr>
+          <p:cNvPr id="32" name="PlaceHolder 3"/>
           <p:cNvSpPr>
             <a:spLocks noGrp="1"/>
           </p:cNvSpPr>
@@ -443,18 +416,15 @@
             <a:normAutofit/>
           </a:bodyPr>
           <a:p>
-            <a:endParaRPr b="0" lang="en-US" sz="2800" spc="-1" strike="noStrike">
-              <a:solidFill>
-                <a:srgbClr val="000000"/>
-              </a:solidFill>
-              <a:latin typeface="Calibri"/>
-            </a:endParaRPr>
-          </a:p>
-        </p:txBody>
-      </p:sp>
-      <p:sp>
-        <p:nvSpPr>
-          <p:cNvPr id="36" name="PlaceHolder 4"/>
+            <a:endParaRPr b="0" lang="es-ES" sz="3200" spc="-1" strike="noStrike">
+              <a:latin typeface="Arial"/>
+            </a:endParaRPr>
+          </a:p>
+        </p:txBody>
+      </p:sp>
+      <p:sp>
+        <p:nvSpPr>
+          <p:cNvPr id="33" name="PlaceHolder 4"/>
           <p:cNvSpPr>
             <a:spLocks noGrp="1"/>
           </p:cNvSpPr>
@@ -476,18 +446,15 @@
             <a:normAutofit/>
           </a:bodyPr>
           <a:p>
-            <a:endParaRPr b="0" lang="en-US" sz="2800" spc="-1" strike="noStrike">
-              <a:solidFill>
-                <a:srgbClr val="000000"/>
-              </a:solidFill>
-              <a:latin typeface="Calibri"/>
-            </a:endParaRPr>
-          </a:p>
-        </p:txBody>
-      </p:sp>
-      <p:sp>
-        <p:nvSpPr>
-          <p:cNvPr id="37" name="PlaceHolder 5"/>
+            <a:endParaRPr b="0" lang="es-ES" sz="3200" spc="-1" strike="noStrike">
+              <a:latin typeface="Arial"/>
+            </a:endParaRPr>
+          </a:p>
+        </p:txBody>
+      </p:sp>
+      <p:sp>
+        <p:nvSpPr>
+          <p:cNvPr id="34" name="PlaceHolder 5"/>
           <p:cNvSpPr>
             <a:spLocks noGrp="1"/>
           </p:cNvSpPr>
@@ -509,18 +476,15 @@
             <a:normAutofit/>
           </a:bodyPr>
           <a:p>
-            <a:endParaRPr b="0" lang="en-US" sz="2800" spc="-1" strike="noStrike">
-              <a:solidFill>
-                <a:srgbClr val="000000"/>
-              </a:solidFill>
-              <a:latin typeface="Calibri"/>
-            </a:endParaRPr>
-          </a:p>
-        </p:txBody>
-      </p:sp>
-      <p:sp>
-        <p:nvSpPr>
-          <p:cNvPr id="38" name="PlaceHolder 6"/>
+            <a:endParaRPr b="0" lang="es-ES" sz="3200" spc="-1" strike="noStrike">
+              <a:latin typeface="Arial"/>
+            </a:endParaRPr>
+          </a:p>
+        </p:txBody>
+      </p:sp>
+      <p:sp>
+        <p:nvSpPr>
+          <p:cNvPr id="35" name="PlaceHolder 6"/>
           <p:cNvSpPr>
             <a:spLocks noGrp="1"/>
           </p:cNvSpPr>
@@ -542,18 +506,15 @@
             <a:normAutofit/>
           </a:bodyPr>
           <a:p>
-            <a:endParaRPr b="0" lang="en-US" sz="2800" spc="-1" strike="noStrike">
-              <a:solidFill>
-                <a:srgbClr val="000000"/>
-              </a:solidFill>
-              <a:latin typeface="Calibri"/>
-            </a:endParaRPr>
-          </a:p>
-        </p:txBody>
-      </p:sp>
-      <p:sp>
-        <p:nvSpPr>
-          <p:cNvPr id="39" name="PlaceHolder 7"/>
+            <a:endParaRPr b="0" lang="es-ES" sz="3200" spc="-1" strike="noStrike">
+              <a:latin typeface="Arial"/>
+            </a:endParaRPr>
+          </a:p>
+        </p:txBody>
+      </p:sp>
+      <p:sp>
+        <p:nvSpPr>
+          <p:cNvPr id="36" name="PlaceHolder 7"/>
           <p:cNvSpPr>
             <a:spLocks noGrp="1"/>
           </p:cNvSpPr>
@@ -575,11 +536,8 @@
             <a:normAutofit/>
           </a:bodyPr>
           <a:p>
-            <a:endParaRPr b="0" lang="en-US" sz="2800" spc="-1" strike="noStrike">
-              <a:solidFill>
-                <a:srgbClr val="000000"/>
-              </a:solidFill>
-              <a:latin typeface="Calibri"/>
+            <a:endParaRPr b="0" lang="es-ES" sz="3200" spc="-1" strike="noStrike">
+              <a:latin typeface="Arial"/>
             </a:endParaRPr>
           </a:p>
         </p:txBody>
@@ -608,7 +566,7 @@
       </p:grpSpPr>
       <p:sp>
         <p:nvSpPr>
-          <p:cNvPr id="4" name="PlaceHolder 1"/>
+          <p:cNvPr id="1" name="PlaceHolder 1"/>
           <p:cNvSpPr>
             <a:spLocks noGrp="1"/>
           </p:cNvSpPr>
@@ -619,7 +577,7 @@
         <p:spPr>
           <a:xfrm>
             <a:off x="1523880" y="1122480"/>
-            <a:ext cx="9143640" cy="2387160"/>
+            <a:ext cx="9143280" cy="2386800"/>
           </a:xfrm>
           <a:prstGeom prst="rect">
             <a:avLst/>
@@ -628,18 +586,16 @@
         <p:txBody>
           <a:bodyPr lIns="0" rIns="0" tIns="0" bIns="0" anchor="ctr"/>
           <a:p>
-            <a:endParaRPr b="0" lang="en-US" sz="1800" spc="-1" strike="noStrike">
-              <a:solidFill>
-                <a:srgbClr val="000000"/>
-              </a:solidFill>
-              <a:latin typeface="Calibri"/>
-            </a:endParaRPr>
-          </a:p>
-        </p:txBody>
-      </p:sp>
-      <p:sp>
-        <p:nvSpPr>
-          <p:cNvPr id="5" name="PlaceHolder 2"/>
+            <a:pPr algn="ctr"/>
+            <a:endParaRPr b="0" lang="es-ES" sz="4400" spc="-1" strike="noStrike">
+              <a:latin typeface="Arial"/>
+            </a:endParaRPr>
+          </a:p>
+        </p:txBody>
+      </p:sp>
+      <p:sp>
+        <p:nvSpPr>
+          <p:cNvPr id="2" name="PlaceHolder 2"/>
           <p:cNvSpPr>
             <a:spLocks noGrp="1"/>
           </p:cNvSpPr>
@@ -690,7 +646,7 @@
       </p:grpSpPr>
       <p:sp>
         <p:nvSpPr>
-          <p:cNvPr id="6" name="PlaceHolder 1"/>
+          <p:cNvPr id="3" name="PlaceHolder 1"/>
           <p:cNvSpPr>
             <a:spLocks noGrp="1"/>
           </p:cNvSpPr>
@@ -701,7 +657,7 @@
         <p:spPr>
           <a:xfrm>
             <a:off x="1523880" y="1122480"/>
-            <a:ext cx="9143640" cy="2387160"/>
+            <a:ext cx="9143280" cy="2386800"/>
           </a:xfrm>
           <a:prstGeom prst="rect">
             <a:avLst/>
@@ -710,18 +666,16 @@
         <p:txBody>
           <a:bodyPr lIns="0" rIns="0" tIns="0" bIns="0" anchor="ctr"/>
           <a:p>
-            <a:endParaRPr b="0" lang="en-US" sz="1800" spc="-1" strike="noStrike">
-              <a:solidFill>
-                <a:srgbClr val="000000"/>
-              </a:solidFill>
-              <a:latin typeface="Calibri"/>
-            </a:endParaRPr>
-          </a:p>
-        </p:txBody>
-      </p:sp>
-      <p:sp>
-        <p:nvSpPr>
-          <p:cNvPr id="7" name="PlaceHolder 2"/>
+            <a:pPr algn="ctr"/>
+            <a:endParaRPr b="0" lang="es-ES" sz="4400" spc="-1" strike="noStrike">
+              <a:latin typeface="Arial"/>
+            </a:endParaRPr>
+          </a:p>
+        </p:txBody>
+      </p:sp>
+      <p:sp>
+        <p:nvSpPr>
+          <p:cNvPr id="4" name="PlaceHolder 2"/>
           <p:cNvSpPr>
             <a:spLocks noGrp="1"/>
           </p:cNvSpPr>
@@ -743,11 +697,8 @@
             <a:normAutofit/>
           </a:bodyPr>
           <a:p>
-            <a:endParaRPr b="0" lang="en-US" sz="2800" spc="-1" strike="noStrike">
-              <a:solidFill>
-                <a:srgbClr val="000000"/>
-              </a:solidFill>
-              <a:latin typeface="Calibri"/>
+            <a:endParaRPr b="0" lang="es-ES" sz="3200" spc="-1" strike="noStrike">
+              <a:latin typeface="Arial"/>
             </a:endParaRPr>
           </a:p>
         </p:txBody>
@@ -776,7 +727,7 @@
       </p:grpSpPr>
       <p:sp>
         <p:nvSpPr>
-          <p:cNvPr id="8" name="PlaceHolder 1"/>
+          <p:cNvPr id="5" name="PlaceHolder 1"/>
           <p:cNvSpPr>
             <a:spLocks noGrp="1"/>
           </p:cNvSpPr>
@@ -787,7 +738,7 @@
         <p:spPr>
           <a:xfrm>
             <a:off x="1523880" y="1122480"/>
-            <a:ext cx="9143640" cy="2387160"/>
+            <a:ext cx="9143280" cy="2386800"/>
           </a:xfrm>
           <a:prstGeom prst="rect">
             <a:avLst/>
@@ -796,18 +747,16 @@
         <p:txBody>
           <a:bodyPr lIns="0" rIns="0" tIns="0" bIns="0" anchor="ctr"/>
           <a:p>
-            <a:endParaRPr b="0" lang="en-US" sz="1800" spc="-1" strike="noStrike">
-              <a:solidFill>
-                <a:srgbClr val="000000"/>
-              </a:solidFill>
-              <a:latin typeface="Calibri"/>
-            </a:endParaRPr>
-          </a:p>
-        </p:txBody>
-      </p:sp>
-      <p:sp>
-        <p:nvSpPr>
-          <p:cNvPr id="9" name="PlaceHolder 2"/>
+            <a:pPr algn="ctr"/>
+            <a:endParaRPr b="0" lang="es-ES" sz="4400" spc="-1" strike="noStrike">
+              <a:latin typeface="Arial"/>
+            </a:endParaRPr>
+          </a:p>
+        </p:txBody>
+      </p:sp>
+      <p:sp>
+        <p:nvSpPr>
+          <p:cNvPr id="6" name="PlaceHolder 2"/>
           <p:cNvSpPr>
             <a:spLocks noGrp="1"/>
           </p:cNvSpPr>
@@ -829,18 +778,15 @@
             <a:normAutofit/>
           </a:bodyPr>
           <a:p>
-            <a:endParaRPr b="0" lang="en-US" sz="2800" spc="-1" strike="noStrike">
-              <a:solidFill>
-                <a:srgbClr val="000000"/>
-              </a:solidFill>
-              <a:latin typeface="Calibri"/>
-            </a:endParaRPr>
-          </a:p>
-        </p:txBody>
-      </p:sp>
-      <p:sp>
-        <p:nvSpPr>
-          <p:cNvPr id="10" name="PlaceHolder 3"/>
+            <a:endParaRPr b="0" lang="es-ES" sz="3200" spc="-1" strike="noStrike">
+              <a:latin typeface="Arial"/>
+            </a:endParaRPr>
+          </a:p>
+        </p:txBody>
+      </p:sp>
+      <p:sp>
+        <p:nvSpPr>
+          <p:cNvPr id="7" name="PlaceHolder 3"/>
           <p:cNvSpPr>
             <a:spLocks noGrp="1"/>
           </p:cNvSpPr>
@@ -862,11 +808,8 @@
             <a:normAutofit/>
           </a:bodyPr>
           <a:p>
-            <a:endParaRPr b="0" lang="en-US" sz="2800" spc="-1" strike="noStrike">
-              <a:solidFill>
-                <a:srgbClr val="000000"/>
-              </a:solidFill>
-              <a:latin typeface="Calibri"/>
+            <a:endParaRPr b="0" lang="es-ES" sz="3200" spc="-1" strike="noStrike">
+              <a:latin typeface="Arial"/>
             </a:endParaRPr>
           </a:p>
         </p:txBody>
@@ -895,7 +838,7 @@
       </p:grpSpPr>
       <p:sp>
         <p:nvSpPr>
-          <p:cNvPr id="11" name="PlaceHolder 1"/>
+          <p:cNvPr id="8" name="PlaceHolder 1"/>
           <p:cNvSpPr>
             <a:spLocks noGrp="1"/>
           </p:cNvSpPr>
@@ -906,7 +849,7 @@
         <p:spPr>
           <a:xfrm>
             <a:off x="1523880" y="1122480"/>
-            <a:ext cx="9143640" cy="2387160"/>
+            <a:ext cx="9143280" cy="2386800"/>
           </a:xfrm>
           <a:prstGeom prst="rect">
             <a:avLst/>
@@ -915,11 +858,9 @@
         <p:txBody>
           <a:bodyPr lIns="0" rIns="0" tIns="0" bIns="0" anchor="ctr"/>
           <a:p>
-            <a:endParaRPr b="0" lang="en-US" sz="1800" spc="-1" strike="noStrike">
-              <a:solidFill>
-                <a:srgbClr val="000000"/>
-              </a:solidFill>
-              <a:latin typeface="Calibri"/>
+            <a:pPr algn="ctr"/>
+            <a:endParaRPr b="0" lang="es-ES" sz="4400" spc="-1" strike="noStrike">
+              <a:latin typeface="Arial"/>
             </a:endParaRPr>
           </a:p>
         </p:txBody>
@@ -948,7 +889,7 @@
       </p:grpSpPr>
       <p:sp>
         <p:nvSpPr>
-          <p:cNvPr id="12" name="PlaceHolder 1"/>
+          <p:cNvPr id="9" name="PlaceHolder 1"/>
           <p:cNvSpPr>
             <a:spLocks noGrp="1"/>
           </p:cNvSpPr>
@@ -959,7 +900,7 @@
         <p:spPr>
           <a:xfrm>
             <a:off x="1523880" y="1122480"/>
-            <a:ext cx="9143640" cy="11066760"/>
+            <a:ext cx="9143280" cy="11064960"/>
           </a:xfrm>
           <a:prstGeom prst="rect">
             <a:avLst/>
@@ -999,7 +940,7 @@
       </p:grpSpPr>
       <p:sp>
         <p:nvSpPr>
-          <p:cNvPr id="13" name="PlaceHolder 1"/>
+          <p:cNvPr id="10" name="PlaceHolder 1"/>
           <p:cNvSpPr>
             <a:spLocks noGrp="1"/>
           </p:cNvSpPr>
@@ -1010,7 +951,7 @@
         <p:spPr>
           <a:xfrm>
             <a:off x="1523880" y="1122480"/>
-            <a:ext cx="9143640" cy="2387160"/>
+            <a:ext cx="9143280" cy="2386800"/>
           </a:xfrm>
           <a:prstGeom prst="rect">
             <a:avLst/>
@@ -1019,18 +960,16 @@
         <p:txBody>
           <a:bodyPr lIns="0" rIns="0" tIns="0" bIns="0" anchor="ctr"/>
           <a:p>
-            <a:endParaRPr b="0" lang="en-US" sz="1800" spc="-1" strike="noStrike">
-              <a:solidFill>
-                <a:srgbClr val="000000"/>
-              </a:solidFill>
-              <a:latin typeface="Calibri"/>
-            </a:endParaRPr>
-          </a:p>
-        </p:txBody>
-      </p:sp>
-      <p:sp>
-        <p:nvSpPr>
-          <p:cNvPr id="14" name="PlaceHolder 2"/>
+            <a:pPr algn="ctr"/>
+            <a:endParaRPr b="0" lang="es-ES" sz="4400" spc="-1" strike="noStrike">
+              <a:latin typeface="Arial"/>
+            </a:endParaRPr>
+          </a:p>
+        </p:txBody>
+      </p:sp>
+      <p:sp>
+        <p:nvSpPr>
+          <p:cNvPr id="11" name="PlaceHolder 2"/>
           <p:cNvSpPr>
             <a:spLocks noGrp="1"/>
           </p:cNvSpPr>
@@ -1052,18 +991,15 @@
             <a:normAutofit/>
           </a:bodyPr>
           <a:p>
-            <a:endParaRPr b="0" lang="en-US" sz="2800" spc="-1" strike="noStrike">
-              <a:solidFill>
-                <a:srgbClr val="000000"/>
-              </a:solidFill>
-              <a:latin typeface="Calibri"/>
-            </a:endParaRPr>
-          </a:p>
-        </p:txBody>
-      </p:sp>
-      <p:sp>
-        <p:nvSpPr>
-          <p:cNvPr id="15" name="PlaceHolder 3"/>
+            <a:endParaRPr b="0" lang="es-ES" sz="3200" spc="-1" strike="noStrike">
+              <a:latin typeface="Arial"/>
+            </a:endParaRPr>
+          </a:p>
+        </p:txBody>
+      </p:sp>
+      <p:sp>
+        <p:nvSpPr>
+          <p:cNvPr id="12" name="PlaceHolder 3"/>
           <p:cNvSpPr>
             <a:spLocks noGrp="1"/>
           </p:cNvSpPr>
@@ -1085,18 +1021,15 @@
             <a:normAutofit/>
           </a:bodyPr>
           <a:p>
-            <a:endParaRPr b="0" lang="en-US" sz="2800" spc="-1" strike="noStrike">
-              <a:solidFill>
-                <a:srgbClr val="000000"/>
-              </a:solidFill>
-              <a:latin typeface="Calibri"/>
-            </a:endParaRPr>
-          </a:p>
-        </p:txBody>
-      </p:sp>
-      <p:sp>
-        <p:nvSpPr>
-          <p:cNvPr id="16" name="PlaceHolder 4"/>
+            <a:endParaRPr b="0" lang="es-ES" sz="3200" spc="-1" strike="noStrike">
+              <a:latin typeface="Arial"/>
+            </a:endParaRPr>
+          </a:p>
+        </p:txBody>
+      </p:sp>
+      <p:sp>
+        <p:nvSpPr>
+          <p:cNvPr id="13" name="PlaceHolder 4"/>
           <p:cNvSpPr>
             <a:spLocks noGrp="1"/>
           </p:cNvSpPr>
@@ -1118,11 +1051,8 @@
             <a:normAutofit/>
           </a:bodyPr>
           <a:p>
-            <a:endParaRPr b="0" lang="en-US" sz="2800" spc="-1" strike="noStrike">
-              <a:solidFill>
-                <a:srgbClr val="000000"/>
-              </a:solidFill>
-              <a:latin typeface="Calibri"/>
+            <a:endParaRPr b="0" lang="es-ES" sz="3200" spc="-1" strike="noStrike">
+              <a:latin typeface="Arial"/>
             </a:endParaRPr>
           </a:p>
         </p:txBody>
@@ -1151,7 +1081,7 @@
       </p:grpSpPr>
       <p:sp>
         <p:nvSpPr>
-          <p:cNvPr id="17" name="PlaceHolder 1"/>
+          <p:cNvPr id="14" name="PlaceHolder 1"/>
           <p:cNvSpPr>
             <a:spLocks noGrp="1"/>
           </p:cNvSpPr>
@@ -1162,7 +1092,7 @@
         <p:spPr>
           <a:xfrm>
             <a:off x="1523880" y="1122480"/>
-            <a:ext cx="9143640" cy="2387160"/>
+            <a:ext cx="9143280" cy="2386800"/>
           </a:xfrm>
           <a:prstGeom prst="rect">
             <a:avLst/>
@@ -1171,18 +1101,16 @@
         <p:txBody>
           <a:bodyPr lIns="0" rIns="0" tIns="0" bIns="0" anchor="ctr"/>
           <a:p>
-            <a:endParaRPr b="0" lang="en-US" sz="1800" spc="-1" strike="noStrike">
-              <a:solidFill>
-                <a:srgbClr val="000000"/>
-              </a:solidFill>
-              <a:latin typeface="Calibri"/>
-            </a:endParaRPr>
-          </a:p>
-        </p:txBody>
-      </p:sp>
-      <p:sp>
-        <p:nvSpPr>
-          <p:cNvPr id="18" name="PlaceHolder 2"/>
+            <a:pPr algn="ctr"/>
+            <a:endParaRPr b="0" lang="es-ES" sz="4400" spc="-1" strike="noStrike">
+              <a:latin typeface="Arial"/>
+            </a:endParaRPr>
+          </a:p>
+        </p:txBody>
+      </p:sp>
+      <p:sp>
+        <p:nvSpPr>
+          <p:cNvPr id="15" name="PlaceHolder 2"/>
           <p:cNvSpPr>
             <a:spLocks noGrp="1"/>
           </p:cNvSpPr>
@@ -1204,18 +1132,15 @@
             <a:normAutofit/>
           </a:bodyPr>
           <a:p>
-            <a:endParaRPr b="0" lang="en-US" sz="2800" spc="-1" strike="noStrike">
-              <a:solidFill>
-                <a:srgbClr val="000000"/>
-              </a:solidFill>
-              <a:latin typeface="Calibri"/>
-            </a:endParaRPr>
-          </a:p>
-        </p:txBody>
-      </p:sp>
-      <p:sp>
-        <p:nvSpPr>
-          <p:cNvPr id="19" name="PlaceHolder 3"/>
+            <a:endParaRPr b="0" lang="es-ES" sz="3200" spc="-1" strike="noStrike">
+              <a:latin typeface="Arial"/>
+            </a:endParaRPr>
+          </a:p>
+        </p:txBody>
+      </p:sp>
+      <p:sp>
+        <p:nvSpPr>
+          <p:cNvPr id="16" name="PlaceHolder 3"/>
           <p:cNvSpPr>
             <a:spLocks noGrp="1"/>
           </p:cNvSpPr>
@@ -1237,18 +1162,15 @@
             <a:normAutofit/>
           </a:bodyPr>
           <a:p>
-            <a:endParaRPr b="0" lang="en-US" sz="2800" spc="-1" strike="noStrike">
-              <a:solidFill>
-                <a:srgbClr val="000000"/>
-              </a:solidFill>
-              <a:latin typeface="Calibri"/>
-            </a:endParaRPr>
-          </a:p>
-        </p:txBody>
-      </p:sp>
-      <p:sp>
-        <p:nvSpPr>
-          <p:cNvPr id="20" name="PlaceHolder 4"/>
+            <a:endParaRPr b="0" lang="es-ES" sz="3200" spc="-1" strike="noStrike">
+              <a:latin typeface="Arial"/>
+            </a:endParaRPr>
+          </a:p>
+        </p:txBody>
+      </p:sp>
+      <p:sp>
+        <p:nvSpPr>
+          <p:cNvPr id="17" name="PlaceHolder 4"/>
           <p:cNvSpPr>
             <a:spLocks noGrp="1"/>
           </p:cNvSpPr>
@@ -1270,11 +1192,8 @@
             <a:normAutofit/>
           </a:bodyPr>
           <a:p>
-            <a:endParaRPr b="0" lang="en-US" sz="2800" spc="-1" strike="noStrike">
-              <a:solidFill>
-                <a:srgbClr val="000000"/>
-              </a:solidFill>
-              <a:latin typeface="Calibri"/>
+            <a:endParaRPr b="0" lang="es-ES" sz="3200" spc="-1" strike="noStrike">
+              <a:latin typeface="Arial"/>
             </a:endParaRPr>
           </a:p>
         </p:txBody>
@@ -1303,7 +1222,7 @@
       </p:grpSpPr>
       <p:sp>
         <p:nvSpPr>
-          <p:cNvPr id="21" name="PlaceHolder 1"/>
+          <p:cNvPr id="18" name="PlaceHolder 1"/>
           <p:cNvSpPr>
             <a:spLocks noGrp="1"/>
           </p:cNvSpPr>
@@ -1314,7 +1233,7 @@
         <p:spPr>
           <a:xfrm>
             <a:off x="1523880" y="1122480"/>
-            <a:ext cx="9143640" cy="2387160"/>
+            <a:ext cx="9143280" cy="2386800"/>
           </a:xfrm>
           <a:prstGeom prst="rect">
             <a:avLst/>
@@ -1323,18 +1242,16 @@
         <p:txBody>
           <a:bodyPr lIns="0" rIns="0" tIns="0" bIns="0" anchor="ctr"/>
           <a:p>
-            <a:endParaRPr b="0" lang="en-US" sz="1800" spc="-1" strike="noStrike">
-              <a:solidFill>
-                <a:srgbClr val="000000"/>
-              </a:solidFill>
-              <a:latin typeface="Calibri"/>
-            </a:endParaRPr>
-          </a:p>
-        </p:txBody>
-      </p:sp>
-      <p:sp>
-        <p:nvSpPr>
-          <p:cNvPr id="22" name="PlaceHolder 2"/>
+            <a:pPr algn="ctr"/>
+            <a:endParaRPr b="0" lang="es-ES" sz="4400" spc="-1" strike="noStrike">
+              <a:latin typeface="Arial"/>
+            </a:endParaRPr>
+          </a:p>
+        </p:txBody>
+      </p:sp>
+      <p:sp>
+        <p:nvSpPr>
+          <p:cNvPr id="19" name="PlaceHolder 2"/>
           <p:cNvSpPr>
             <a:spLocks noGrp="1"/>
           </p:cNvSpPr>
@@ -1356,18 +1273,15 @@
             <a:normAutofit/>
           </a:bodyPr>
           <a:p>
-            <a:endParaRPr b="0" lang="en-US" sz="2800" spc="-1" strike="noStrike">
-              <a:solidFill>
-                <a:srgbClr val="000000"/>
-              </a:solidFill>
-              <a:latin typeface="Calibri"/>
-            </a:endParaRPr>
-          </a:p>
-        </p:txBody>
-      </p:sp>
-      <p:sp>
-        <p:nvSpPr>
-          <p:cNvPr id="23" name="PlaceHolder 3"/>
+            <a:endParaRPr b="0" lang="es-ES" sz="3200" spc="-1" strike="noStrike">
+              <a:latin typeface="Arial"/>
+            </a:endParaRPr>
+          </a:p>
+        </p:txBody>
+      </p:sp>
+      <p:sp>
+        <p:nvSpPr>
+          <p:cNvPr id="20" name="PlaceHolder 3"/>
           <p:cNvSpPr>
             <a:spLocks noGrp="1"/>
           </p:cNvSpPr>
@@ -1389,18 +1303,15 @@
             <a:normAutofit/>
           </a:bodyPr>
           <a:p>
-            <a:endParaRPr b="0" lang="en-US" sz="2800" spc="-1" strike="noStrike">
-              <a:solidFill>
-                <a:srgbClr val="000000"/>
-              </a:solidFill>
-              <a:latin typeface="Calibri"/>
-            </a:endParaRPr>
-          </a:p>
-        </p:txBody>
-      </p:sp>
-      <p:sp>
-        <p:nvSpPr>
-          <p:cNvPr id="24" name="PlaceHolder 4"/>
+            <a:endParaRPr b="0" lang="es-ES" sz="3200" spc="-1" strike="noStrike">
+              <a:latin typeface="Arial"/>
+            </a:endParaRPr>
+          </a:p>
+        </p:txBody>
+      </p:sp>
+      <p:sp>
+        <p:nvSpPr>
+          <p:cNvPr id="21" name="PlaceHolder 4"/>
           <p:cNvSpPr>
             <a:spLocks noGrp="1"/>
           </p:cNvSpPr>
@@ -1422,11 +1333,8 @@
             <a:normAutofit/>
           </a:bodyPr>
           <a:p>
-            <a:endParaRPr b="0" lang="en-US" sz="2800" spc="-1" strike="noStrike">
-              <a:solidFill>
-                <a:srgbClr val="000000"/>
-              </a:solidFill>
-              <a:latin typeface="Calibri"/>
+            <a:endParaRPr b="0" lang="es-ES" sz="3200" spc="-1" strike="noStrike">
+              <a:latin typeface="Arial"/>
             </a:endParaRPr>
           </a:p>
         </p:txBody>
@@ -1473,146 +1381,35 @@
         <p:spPr>
           <a:xfrm>
             <a:off x="1523880" y="1122480"/>
-            <a:ext cx="9143640" cy="2387160"/>
-          </a:xfrm>
-          <a:prstGeom prst="rect">
-            <a:avLst/>
-          </a:prstGeom>
-        </p:spPr>
-        <p:txBody>
-          <a:bodyPr anchor="b"/>
-          <a:p>
-            <a:pPr algn="ctr">
-              <a:lnSpc>
-                <a:spcPct val="100000"/>
-              </a:lnSpc>
-            </a:pPr>
+            <a:ext cx="9143280" cy="2386800"/>
+          </a:xfrm>
+          <a:prstGeom prst="rect">
+            <a:avLst/>
+          </a:prstGeom>
+        </p:spPr>
+        <p:txBody>
+          <a:bodyPr lIns="0" rIns="0" tIns="0" bIns="0" anchor="ctr"/>
+          <a:p>
             <a:r>
-              <a:rPr b="0" lang="en-US" sz="6000" spc="-1" strike="noStrike">
-                <a:solidFill>
-                  <a:srgbClr val="000000"/>
-                </a:solidFill>
-                <a:latin typeface="Calibri Light"/>
+              <a:rPr b="0" lang="es-ES" sz="1800" spc="-1" strike="noStrike">
+                <a:latin typeface="Arial"/>
               </a:rPr>
-              <a:t>Click to edit Master title style</a:t>
+              <a:t>Pulse para editar el </a:t>
             </a:r>
-            <a:endParaRPr b="0" lang="en-US" sz="6000" spc="-1" strike="noStrike">
-              <a:solidFill>
-                <a:srgbClr val="000000"/>
-              </a:solidFill>
-              <a:latin typeface="Calibri"/>
-            </a:endParaRPr>
-          </a:p>
-        </p:txBody>
-      </p:sp>
-      <p:sp>
-        <p:nvSpPr>
-          <p:cNvPr id="1" name="PlaceHolder 2"/>
-          <p:cNvSpPr>
-            <a:spLocks noGrp="1"/>
-          </p:cNvSpPr>
-          <p:nvPr>
-            <p:ph type="dt"/>
-          </p:nvPr>
-        </p:nvSpPr>
-        <p:spPr>
-          <a:xfrm>
-            <a:off x="838080" y="6356520"/>
-            <a:ext cx="2742840" cy="364680"/>
-          </a:xfrm>
-          <a:prstGeom prst="rect">
-            <a:avLst/>
-          </a:prstGeom>
-        </p:spPr>
-        <p:txBody>
-          <a:bodyPr anchor="ctr"/>
-          <a:p>
-            <a:pPr>
-              <a:lnSpc>
-                <a:spcPct val="100000"/>
-              </a:lnSpc>
-            </a:pPr>
-            <a:fld id="{589A50AE-C017-427C-BCBB-0E01AAD6CECB}" type="datetime">
-              <a:rPr b="0" lang="es-ES" sz="1200" spc="-1" strike="noStrike">
-                <a:solidFill>
-                  <a:srgbClr val="8b8b8b"/>
-                </a:solidFill>
-                <a:latin typeface="Calibri"/>
+            <a:r>
+              <a:rPr b="0" lang="es-ES" sz="1800" spc="-1" strike="noStrike">
+                <a:latin typeface="Arial"/>
               </a:rPr>
-              <a:t>11/07/19</a:t>
-            </a:fld>
-            <a:endParaRPr b="0" lang="es-ES" sz="1200" spc="-1" strike="noStrike">
-              <a:latin typeface="Times New Roman"/>
-            </a:endParaRPr>
-          </a:p>
-        </p:txBody>
-      </p:sp>
-      <p:sp>
-        <p:nvSpPr>
-          <p:cNvPr id="2" name="PlaceHolder 3"/>
-          <p:cNvSpPr>
-            <a:spLocks noGrp="1"/>
-          </p:cNvSpPr>
-          <p:nvPr>
-            <p:ph type="ftr"/>
-          </p:nvPr>
-        </p:nvSpPr>
-        <p:spPr>
-          <a:xfrm>
-            <a:off x="4038480" y="6356520"/>
-            <a:ext cx="4114440" cy="364680"/>
-          </a:xfrm>
-          <a:prstGeom prst="rect">
-            <a:avLst/>
-          </a:prstGeom>
-        </p:spPr>
-        <p:txBody>
-          <a:bodyPr anchor="ctr"/>
-          <a:p>
-            <a:endParaRPr b="0" lang="es-ES" sz="2400" spc="-1" strike="noStrike">
-              <a:latin typeface="Times New Roman"/>
-            </a:endParaRPr>
-          </a:p>
-        </p:txBody>
-      </p:sp>
-      <p:sp>
-        <p:nvSpPr>
-          <p:cNvPr id="3" name="PlaceHolder 4"/>
-          <p:cNvSpPr>
-            <a:spLocks noGrp="1"/>
-          </p:cNvSpPr>
-          <p:nvPr>
-            <p:ph type="sldNum"/>
-          </p:nvPr>
-        </p:nvSpPr>
-        <p:spPr>
-          <a:xfrm>
-            <a:off x="8610480" y="6356520"/>
-            <a:ext cx="2742840" cy="364680"/>
-          </a:xfrm>
-          <a:prstGeom prst="rect">
-            <a:avLst/>
-          </a:prstGeom>
-        </p:spPr>
-        <p:txBody>
-          <a:bodyPr anchor="ctr"/>
-          <a:p>
-            <a:pPr algn="r">
-              <a:lnSpc>
-                <a:spcPct val="100000"/>
-              </a:lnSpc>
-            </a:pPr>
-            <a:fld id="{FEBF023C-92B4-4F5C-ACD4-45F9772C641D}" type="slidenum">
-              <a:rPr b="0" lang="es-ES" sz="1200" spc="-1" strike="noStrike">
-                <a:solidFill>
-                  <a:srgbClr val="8b8b8b"/>
-                </a:solidFill>
-                <a:latin typeface="Calibri"/>
+              <a:t>formato del texto de </a:t>
+            </a:r>
+            <a:r>
+              <a:rPr b="0" lang="es-ES" sz="1800" spc="-1" strike="noStrike">
+                <a:latin typeface="Arial"/>
               </a:rPr>
-              <a:t>&lt;número&gt;</a:t>
-            </a:fld>
-            <a:endParaRPr b="0" lang="es-ES" sz="1200" spc="-1" strike="noStrike">
-              <a:latin typeface="Times New Roman"/>
+              <a:t>título</a:t>
+            </a:r>
+            <a:endParaRPr b="0" lang="es-ES" sz="1800" spc="-1" strike="noStrike">
+              <a:latin typeface="Arial"/>
             </a:endParaRPr>
           </a:p>
         </p:txBody>
@@ -1663,7 +1460,7 @@
       </p:grpSpPr>
       <p:pic>
         <p:nvPicPr>
-          <p:cNvPr id="40" name="Picture 4" descr=""/>
+          <p:cNvPr id="37" name="" descr=""/>
           <p:cNvPicPr/>
           <p:nvPr/>
         </p:nvPicPr>
@@ -1673,8 +1470,8 @@
         </p:blipFill>
         <p:spPr>
           <a:xfrm>
-            <a:off x="2736000" y="2160"/>
-            <a:ext cx="4412160" cy="6855480"/>
+            <a:off x="2880000" y="2160"/>
+            <a:ext cx="4411800" cy="6855120"/>
           </a:xfrm>
           <a:prstGeom prst="rect">
             <a:avLst/>
@@ -1686,14 +1483,14 @@
       </p:pic>
       <p:sp>
         <p:nvSpPr>
-          <p:cNvPr id="41" name="CustomShape 1"/>
+          <p:cNvPr id="38" name="CustomShape 1"/>
           <p:cNvSpPr/>
           <p:nvPr/>
         </p:nvSpPr>
         <p:spPr>
           <a:xfrm>
             <a:off x="5832000" y="2448000"/>
-            <a:ext cx="2664000" cy="1431000"/>
+            <a:ext cx="1872000" cy="1430640"/>
           </a:xfrm>
           <a:prstGeom prst="rect">
             <a:avLst/>
@@ -1715,13 +1512,17 @@
             <a:r>
               <a:rPr b="1" lang="es-ES" sz="8800" spc="-1" strike="noStrike">
                 <a:solidFill>
-                  <a:srgbClr val="000000"/>
+                  <a:srgbClr val="333333"/>
                 </a:solidFill>
                 <a:latin typeface="Zapfino"/>
+                <a:ea typeface="DejaVu Sans"/>
               </a:rPr>
-              <a:t>I T I</a:t>
+              <a:t>ITI</a:t>
             </a:r>
             <a:endParaRPr b="0" lang="es-ES" sz="8800" spc="-1" strike="noStrike">
+              <a:solidFill>
+                <a:srgbClr val="333333"/>
+              </a:solidFill>
               <a:latin typeface="Arial"/>
             </a:endParaRPr>
           </a:p>
